--- a/slides/Anil-2020-12-07.pptx
+++ b/slides/Anil-2020-12-07.pptx
@@ -5,8 +5,9 @@
     <p:sldMasterId id="2147483648" r:id="rId1"/>
   </p:sldMasterIdLst>
   <p:sldIdLst>
-    <p:sldId id="342" r:id="rId2"/>
-    <p:sldId id="343" r:id="rId3"/>
+    <p:sldId id="344" r:id="rId2"/>
+    <p:sldId id="342" r:id="rId3"/>
+    <p:sldId id="343" r:id="rId4"/>
   </p:sldIdLst>
   <p:sldSz cx="12192000" cy="6858000"/>
   <p:notesSz cx="6858000" cy="9144000"/>
@@ -272,7 +273,7 @@
           <a:p>
             <a:fld id="{D8E47488-6FB8-44F6-8C8C-F781CBDC3840}" type="datetimeFigureOut">
               <a:rPr lang="en-US" smtClean="0"/>
-              <a:t>12/7/2020</a:t>
+              <a:t>12/9/2020</a:t>
             </a:fld>
             <a:endParaRPr lang="en-US"/>
           </a:p>
@@ -470,7 +471,7 @@
           <a:p>
             <a:fld id="{D8E47488-6FB8-44F6-8C8C-F781CBDC3840}" type="datetimeFigureOut">
               <a:rPr lang="en-US" smtClean="0"/>
-              <a:t>12/7/2020</a:t>
+              <a:t>12/9/2020</a:t>
             </a:fld>
             <a:endParaRPr lang="en-US"/>
           </a:p>
@@ -678,7 +679,7 @@
           <a:p>
             <a:fld id="{D8E47488-6FB8-44F6-8C8C-F781CBDC3840}" type="datetimeFigureOut">
               <a:rPr lang="en-US" smtClean="0"/>
-              <a:t>12/7/2020</a:t>
+              <a:t>12/9/2020</a:t>
             </a:fld>
             <a:endParaRPr lang="en-US"/>
           </a:p>
@@ -876,7 +877,7 @@
           <a:p>
             <a:fld id="{D8E47488-6FB8-44F6-8C8C-F781CBDC3840}" type="datetimeFigureOut">
               <a:rPr lang="en-US" smtClean="0"/>
-              <a:t>12/7/2020</a:t>
+              <a:t>12/9/2020</a:t>
             </a:fld>
             <a:endParaRPr lang="en-US"/>
           </a:p>
@@ -1151,7 +1152,7 @@
           <a:p>
             <a:fld id="{D8E47488-6FB8-44F6-8C8C-F781CBDC3840}" type="datetimeFigureOut">
               <a:rPr lang="en-US" smtClean="0"/>
-              <a:t>12/7/2020</a:t>
+              <a:t>12/9/2020</a:t>
             </a:fld>
             <a:endParaRPr lang="en-US"/>
           </a:p>
@@ -1416,7 +1417,7 @@
           <a:p>
             <a:fld id="{D8E47488-6FB8-44F6-8C8C-F781CBDC3840}" type="datetimeFigureOut">
               <a:rPr lang="en-US" smtClean="0"/>
-              <a:t>12/7/2020</a:t>
+              <a:t>12/9/2020</a:t>
             </a:fld>
             <a:endParaRPr lang="en-US"/>
           </a:p>
@@ -1828,7 +1829,7 @@
           <a:p>
             <a:fld id="{D8E47488-6FB8-44F6-8C8C-F781CBDC3840}" type="datetimeFigureOut">
               <a:rPr lang="en-US" smtClean="0"/>
-              <a:t>12/7/2020</a:t>
+              <a:t>12/9/2020</a:t>
             </a:fld>
             <a:endParaRPr lang="en-US"/>
           </a:p>
@@ -1969,7 +1970,7 @@
           <a:p>
             <a:fld id="{D8E47488-6FB8-44F6-8C8C-F781CBDC3840}" type="datetimeFigureOut">
               <a:rPr lang="en-US" smtClean="0"/>
-              <a:t>12/7/2020</a:t>
+              <a:t>12/9/2020</a:t>
             </a:fld>
             <a:endParaRPr lang="en-US"/>
           </a:p>
@@ -2082,7 +2083,7 @@
           <a:p>
             <a:fld id="{D8E47488-6FB8-44F6-8C8C-F781CBDC3840}" type="datetimeFigureOut">
               <a:rPr lang="en-US" smtClean="0"/>
-              <a:t>12/7/2020</a:t>
+              <a:t>12/9/2020</a:t>
             </a:fld>
             <a:endParaRPr lang="en-US"/>
           </a:p>
@@ -2393,7 +2394,7 @@
           <a:p>
             <a:fld id="{D8E47488-6FB8-44F6-8C8C-F781CBDC3840}" type="datetimeFigureOut">
               <a:rPr lang="en-US" smtClean="0"/>
-              <a:t>12/7/2020</a:t>
+              <a:t>12/9/2020</a:t>
             </a:fld>
             <a:endParaRPr lang="en-US"/>
           </a:p>
@@ -2681,7 +2682,7 @@
           <a:p>
             <a:fld id="{D8E47488-6FB8-44F6-8C8C-F781CBDC3840}" type="datetimeFigureOut">
               <a:rPr lang="en-US" smtClean="0"/>
-              <a:t>12/7/2020</a:t>
+              <a:t>12/9/2020</a:t>
             </a:fld>
             <a:endParaRPr lang="en-US"/>
           </a:p>
@@ -2922,7 +2923,7 @@
           <a:p>
             <a:fld id="{D8E47488-6FB8-44F6-8C8C-F781CBDC3840}" type="datetimeFigureOut">
               <a:rPr lang="en-US" smtClean="0"/>
-              <a:t>12/7/2020</a:t>
+              <a:t>12/9/2020</a:t>
             </a:fld>
             <a:endParaRPr lang="en-US"/>
           </a:p>
@@ -3401,30 +3402,39 @@
             <a:endParaRPr lang="en-US" dirty="0"/>
           </a:p>
           <a:p>
+            <a:pPr lvl="1"/>
             <a:r>
               <a:rPr lang="en-US" dirty="0"/>
-              <a:t>Get basic data transfer “cost” in different settings:</a:t>
+              <a:t>Looking thru RDMA example workflows</a:t>
             </a:r>
           </a:p>
           <a:p>
             <a:pPr lvl="1"/>
             <a:r>
               <a:rPr lang="en-US" dirty="0"/>
-              <a:t>Register the buffer and then write </a:t>
-            </a:r>
-          </a:p>
-          <a:p>
-            <a:pPr lvl="1"/>
+              <a:t>RDMA manual to understand scatter-gather and other complex functionality</a:t>
+            </a:r>
+          </a:p>
+          <a:p>
+            <a:endParaRPr lang="en-US" dirty="0"/>
+          </a:p>
+          <a:p>
+            <a:pPr marL="0" indent="0">
+              <a:buNone/>
+            </a:pPr>
+            <a:r>
+              <a:rPr lang="en-US" u="sng" dirty="0"/>
+              <a:t>Goal</a:t>
+            </a:r>
             <a:r>
               <a:rPr lang="en-US" dirty="0"/>
-              <a:t>Copying data to pre-registered buffer and write </a:t>
-            </a:r>
-          </a:p>
-          <a:p>
-            <a:pPr lvl="1"/>
+              <a:t>:</a:t>
+            </a:r>
+          </a:p>
+          <a:p>
             <a:r>
               <a:rPr lang="en-US" dirty="0"/>
-              <a:t>Assume data is in already in the buffer (PL magic) and write</a:t>
+              <a:t>Get basic data transfer “cost” in different settings</a:t>
             </a:r>
           </a:p>
           <a:p>
@@ -3451,7 +3461,7 @@
     </p:spTree>
     <p:extLst>
       <p:ext uri="{BB962C8B-B14F-4D97-AF65-F5344CB8AC3E}">
-        <p14:creationId xmlns:p14="http://schemas.microsoft.com/office/powerpoint/2010/main" val="3813008607"/>
+        <p14:creationId xmlns:p14="http://schemas.microsoft.com/office/powerpoint/2010/main" val="4057010600"/>
       </p:ext>
     </p:extLst>
   </p:cSld>
@@ -3527,6 +3537,158 @@
           <a:bodyPr/>
           <a:lstStyle/>
           <a:p>
+            <a:r>
+              <a:rPr lang="en-US" dirty="0"/>
+              <a:t>Setting up </a:t>
+            </a:r>
+            <a:r>
+              <a:rPr lang="en-US" strike="sngStrike" dirty="0"/>
+              <a:t>basic</a:t>
+            </a:r>
+            <a:r>
+              <a:rPr lang="en-US" dirty="0"/>
+              <a:t> consistent RDMA-connection with two servers </a:t>
+            </a:r>
+            <a:r>
+              <a:rPr lang="en-US" strike="sngStrike" dirty="0">
+                <a:sym typeface="Wingdings" panose="05000000000000000000" pitchFamily="2" charset="2"/>
+              </a:rPr>
+              <a:t></a:t>
+            </a:r>
+            <a:endParaRPr lang="en-US" strike="sngStrike" dirty="0"/>
+          </a:p>
+          <a:p>
+            <a:pPr lvl="1"/>
+            <a:r>
+              <a:rPr lang="en-US" dirty="0"/>
+              <a:t>Looking thru RDMA example workflows</a:t>
+            </a:r>
+          </a:p>
+          <a:p>
+            <a:pPr lvl="1"/>
+            <a:r>
+              <a:rPr lang="en-US" dirty="0"/>
+              <a:t>RDMA manual to understand scatter-gather and other complex functionality</a:t>
+            </a:r>
+          </a:p>
+          <a:p>
+            <a:endParaRPr lang="en-US" dirty="0"/>
+          </a:p>
+          <a:p>
+            <a:pPr marL="0" indent="0">
+              <a:buNone/>
+            </a:pPr>
+            <a:r>
+              <a:rPr lang="en-US" dirty="0"/>
+              <a:t>Goal:</a:t>
+            </a:r>
+          </a:p>
+          <a:p>
+            <a:r>
+              <a:rPr lang="en-US" dirty="0"/>
+              <a:t>Get basic data transfer “cost” in different settings</a:t>
+            </a:r>
+          </a:p>
+          <a:p>
+            <a:r>
+              <a:rPr lang="en-US" dirty="0"/>
+              <a:t>Emulate data layout of the spark example</a:t>
+            </a:r>
+          </a:p>
+          <a:p>
+            <a:pPr marL="0" indent="0">
+              <a:buNone/>
+            </a:pPr>
+            <a:endParaRPr lang="en-US" dirty="0"/>
+          </a:p>
+          <a:p>
+            <a:pPr lvl="1"/>
+            <a:endParaRPr lang="en-US" dirty="0"/>
+          </a:p>
+          <a:p>
+            <a:endParaRPr lang="en-US" dirty="0"/>
+          </a:p>
+        </p:txBody>
+      </p:sp>
+    </p:spTree>
+    <p:extLst>
+      <p:ext uri="{BB962C8B-B14F-4D97-AF65-F5344CB8AC3E}">
+        <p14:creationId xmlns:p14="http://schemas.microsoft.com/office/powerpoint/2010/main" val="3813008607"/>
+      </p:ext>
+    </p:extLst>
+  </p:cSld>
+  <p:clrMapOvr>
+    <a:masterClrMapping/>
+  </p:clrMapOvr>
+</p:sld>
+</file>
+
+<file path=ppt/slides/slide3.xml><?xml version="1.0" encoding="utf-8"?>
+<p:sld xmlns:a="http://schemas.openxmlformats.org/drawingml/2006/main" xmlns:r="http://schemas.openxmlformats.org/officeDocument/2006/relationships" xmlns:p="http://schemas.openxmlformats.org/presentationml/2006/main">
+  <p:cSld>
+    <p:spTree>
+      <p:nvGrpSpPr>
+        <p:cNvPr id="1" name=""/>
+        <p:cNvGrpSpPr/>
+        <p:nvPr/>
+      </p:nvGrpSpPr>
+      <p:grpSpPr>
+        <a:xfrm>
+          <a:off x="0" y="0"/>
+          <a:ext cx="0" cy="0"/>
+          <a:chOff x="0" y="0"/>
+          <a:chExt cx="0" cy="0"/>
+        </a:xfrm>
+      </p:grpSpPr>
+      <p:sp>
+        <p:nvSpPr>
+          <p:cNvPr id="2" name="Title 1">
+            <a:extLst>
+              <a:ext uri="{FF2B5EF4-FFF2-40B4-BE49-F238E27FC236}">
+                <a16:creationId xmlns:a16="http://schemas.microsoft.com/office/drawing/2014/main" id="{8FE0DA5B-5A5E-4213-B49F-9DE026FDA5F7}"/>
+              </a:ext>
+            </a:extLst>
+          </p:cNvPr>
+          <p:cNvSpPr>
+            <a:spLocks noGrp="1"/>
+          </p:cNvSpPr>
+          <p:nvPr>
+            <p:ph type="title"/>
+          </p:nvPr>
+        </p:nvSpPr>
+        <p:spPr/>
+        <p:txBody>
+          <a:bodyPr/>
+          <a:lstStyle/>
+          <a:p>
+            <a:r>
+              <a:rPr lang="en-US" dirty="0"/>
+              <a:t>Update</a:t>
+            </a:r>
+          </a:p>
+        </p:txBody>
+      </p:sp>
+      <p:sp>
+        <p:nvSpPr>
+          <p:cNvPr id="3" name="Content Placeholder 2">
+            <a:extLst>
+              <a:ext uri="{FF2B5EF4-FFF2-40B4-BE49-F238E27FC236}">
+                <a16:creationId xmlns:a16="http://schemas.microsoft.com/office/drawing/2014/main" id="{320A5D36-6D54-4258-A43A-EF0471656EA8}"/>
+              </a:ext>
+            </a:extLst>
+          </p:cNvPr>
+          <p:cNvSpPr>
+            <a:spLocks noGrp="1"/>
+          </p:cNvSpPr>
+          <p:nvPr>
+            <p:ph idx="1"/>
+          </p:nvPr>
+        </p:nvSpPr>
+        <p:spPr/>
+        <p:txBody>
+          <a:bodyPr/>
+          <a:lstStyle/>
+          <a:p>
             <a:pPr marL="0" indent="0">
               <a:buNone/>
             </a:pPr>
@@ -3569,7 +3731,7 @@
         </p:blipFill>
         <p:spPr>
           <a:xfrm>
-            <a:off x="3671393" y="1415341"/>
+            <a:off x="2643781" y="1439290"/>
             <a:ext cx="7078063" cy="5077534"/>
           </a:xfrm>
           <a:prstGeom prst="rect">
@@ -3577,47 +3739,6 @@
           </a:prstGeom>
         </p:spPr>
       </p:pic>
-      <p:sp>
-        <p:nvSpPr>
-          <p:cNvPr id="6" name="TextBox 5">
-            <a:extLst>
-              <a:ext uri="{FF2B5EF4-FFF2-40B4-BE49-F238E27FC236}">
-                <a16:creationId xmlns:a16="http://schemas.microsoft.com/office/drawing/2014/main" id="{56F1C54A-4C11-4D9C-BD81-660356147568}"/>
-              </a:ext>
-            </a:extLst>
-          </p:cNvPr>
-          <p:cNvSpPr txBox="1"/>
-          <p:nvPr/>
-        </p:nvSpPr>
-        <p:spPr>
-          <a:xfrm>
-            <a:off x="1123950" y="2847975"/>
-            <a:ext cx="1516569" cy="646331"/>
-          </a:xfrm>
-          <a:prstGeom prst="rect">
-            <a:avLst/>
-          </a:prstGeom>
-          <a:noFill/>
-        </p:spPr>
-        <p:txBody>
-          <a:bodyPr wrap="none" rtlCol="0">
-            <a:spAutoFit/>
-          </a:bodyPr>
-          <a:lstStyle/>
-          <a:p>
-            <a:r>
-              <a:rPr lang="en-US" dirty="0"/>
-              <a:t>Scatter-gather</a:t>
-            </a:r>
-          </a:p>
-          <a:p>
-            <a:r>
-              <a:rPr lang="en-US" dirty="0"/>
-              <a:t>+ loopback?</a:t>
-            </a:r>
-          </a:p>
-        </p:txBody>
-      </p:sp>
     </p:spTree>
     <p:extLst>
       <p:ext uri="{BB962C8B-B14F-4D97-AF65-F5344CB8AC3E}">
